--- a/slides/pyspark/dataframes_slides/7.3_dataFrames_transformations_groupby.pptx
+++ b/slides/pyspark/dataframes_slides/7.3_dataFrames_transformations_groupby.pptx
@@ -541,7 +541,7 @@
           <a:p>
             <a:fld id="{B9BF1A25-DA02-B94D-83E7-38F452A4DD0B}" type="datetimeFigureOut">
               <a:rPr lang="en-US" smtClean="0"/>
-              <a:t>2/25/23</a:t>
+              <a:t>5/22/23</a:t>
             </a:fld>
             <a:endParaRPr lang="en-US" dirty="0"/>
           </a:p>
@@ -707,7 +707,7 @@
           <a:p>
             <a:fld id="{773D608E-326B-064D-8838-D0E4D51BA537}" type="datetimeFigureOut">
               <a:rPr lang="en-US" smtClean="0"/>
-              <a:t>2/25/23</a:t>
+              <a:t>5/22/23</a:t>
             </a:fld>
             <a:endParaRPr lang="en-US" dirty="0"/>
           </a:p>
@@ -12877,10 +12877,16 @@
               <a:t>df.groupBy</a:t>
             </a:r>
             <a:r>
+              <a:rPr lang="en-US" sz="1700">
+                <a:latin typeface="Courier" pitchFamily="2" charset="0"/>
+              </a:rPr>
+              <a:t>("dept") </a:t>
+            </a:r>
+            <a:r>
               <a:rPr lang="en-US" sz="1700" dirty="0">
                 <a:latin typeface="Courier" pitchFamily="2" charset="0"/>
               </a:rPr>
-              <a:t>("department") \</a:t>
+              <a:t>\</a:t>
             </a:r>
           </a:p>
           <a:p>
